--- a/210206_React.pptx
+++ b/210206_React.pptx
@@ -275,7 +275,7 @@
                 <a:latin typeface="빙그레 메로나체" panose="020B0503000000000000" pitchFamily="50" charset="-127"/>
                 <a:ea typeface="빙그레 메로나체" panose="020B0503000000000000" pitchFamily="50" charset="-127"/>
               </a:rPr>
-              <a:t>21-02-05(Fri)</a:t>
+              <a:t>21-02-06(Sat)</a:t>
             </a:fld>
             <a:endParaRPr lang="ko-KR" altLang="en-US">
               <a:latin typeface="빙그레 메로나체" panose="020B0503000000000000" pitchFamily="50" charset="-127"/>
@@ -472,7 +472,7 @@
             <a:fld id="{4603488D-D3EA-41C9-A985-B1D359B38FE8}" type="datetimeFigureOut">
               <a:rPr lang="ko-KR" altLang="en-US" smtClean="0"/>
               <a:pPr/>
-              <a:t>21-02-05(Fri)</a:t>
+              <a:t>21-02-06(Sat)</a:t>
             </a:fld>
             <a:endParaRPr lang="ko-KR" altLang="en-US"/>
           </a:p>
@@ -7796,7 +7796,7 @@
           <a:p>
             <a:fld id="{7DC6197A-B81F-4CAF-8F9E-3C147E2873D6}" type="datetime1">
               <a:rPr lang="ko-KR" altLang="en-US" smtClean="0"/>
-              <a:t>21-02-05(Fri)</a:t>
+              <a:t>21-02-06(Sat)</a:t>
             </a:fld>
             <a:endParaRPr lang="ko-KR" altLang="en-US"/>
           </a:p>
@@ -8015,7 +8015,7 @@
           <a:p>
             <a:fld id="{2E9FEE90-94DC-4A70-8DB6-77140FDC4928}" type="datetime1">
               <a:rPr lang="ko-KR" altLang="en-US" smtClean="0"/>
-              <a:t>21-02-05(Fri)</a:t>
+              <a:t>21-02-06(Sat)</a:t>
             </a:fld>
             <a:endParaRPr lang="ko-KR" altLang="en-US"/>
           </a:p>
@@ -8223,7 +8223,7 @@
           <a:p>
             <a:fld id="{35B46D19-C2B4-4F76-8EC4-654FF4D1B867}" type="datetime1">
               <a:rPr lang="ko-KR" altLang="en-US" smtClean="0"/>
-              <a:t>21-02-05(Fri)</a:t>
+              <a:t>21-02-06(Sat)</a:t>
             </a:fld>
             <a:endParaRPr lang="ko-KR" altLang="en-US"/>
           </a:p>
@@ -8421,7 +8421,7 @@
           <a:p>
             <a:fld id="{C373018D-A7B2-4FBD-B6A9-55243D35BED3}" type="datetime1">
               <a:rPr lang="ko-KR" altLang="en-US" smtClean="0"/>
-              <a:t>21-02-05(Fri)</a:t>
+              <a:t>21-02-06(Sat)</a:t>
             </a:fld>
             <a:endParaRPr lang="ko-KR" altLang="en-US"/>
           </a:p>
@@ -8696,7 +8696,7 @@
           <a:p>
             <a:fld id="{4435D3D0-A066-4F71-AFF5-8B496FFE7BCA}" type="datetime1">
               <a:rPr lang="ko-KR" altLang="en-US" smtClean="0"/>
-              <a:t>21-02-05(Fri)</a:t>
+              <a:t>21-02-06(Sat)</a:t>
             </a:fld>
             <a:endParaRPr lang="ko-KR" altLang="en-US"/>
           </a:p>
@@ -8961,7 +8961,7 @@
           <a:p>
             <a:fld id="{365C1C25-AAFE-4B7A-972A-986C48C551DC}" type="datetime1">
               <a:rPr lang="ko-KR" altLang="en-US" smtClean="0"/>
-              <a:t>21-02-05(Fri)</a:t>
+              <a:t>21-02-06(Sat)</a:t>
             </a:fld>
             <a:endParaRPr lang="ko-KR" altLang="en-US"/>
           </a:p>
@@ -9373,7 +9373,7 @@
           <a:p>
             <a:fld id="{81CD69AD-8091-45FF-A7FD-D5E8A83B14A6}" type="datetime1">
               <a:rPr lang="ko-KR" altLang="en-US" smtClean="0"/>
-              <a:t>21-02-05(Fri)</a:t>
+              <a:t>21-02-06(Sat)</a:t>
             </a:fld>
             <a:endParaRPr lang="ko-KR" altLang="en-US"/>
           </a:p>
@@ -9514,7 +9514,7 @@
           <a:p>
             <a:fld id="{16E1BF7E-2A53-4D85-AD06-DBD10CF13045}" type="datetime1">
               <a:rPr lang="ko-KR" altLang="en-US" smtClean="0"/>
-              <a:t>21-02-05(Fri)</a:t>
+              <a:t>21-02-06(Sat)</a:t>
             </a:fld>
             <a:endParaRPr lang="ko-KR" altLang="en-US"/>
           </a:p>
@@ -9627,7 +9627,7 @@
           <a:p>
             <a:fld id="{D7EEE6D7-F07E-4CE2-AFD1-E0ADDB02E34F}" type="datetime1">
               <a:rPr lang="ko-KR" altLang="en-US" smtClean="0"/>
-              <a:t>21-02-05(Fri)</a:t>
+              <a:t>21-02-06(Sat)</a:t>
             </a:fld>
             <a:endParaRPr lang="ko-KR" altLang="en-US"/>
           </a:p>
@@ -9938,7 +9938,7 @@
           <a:p>
             <a:fld id="{022DB226-797E-4714-A363-EB143067361E}" type="datetime1">
               <a:rPr lang="ko-KR" altLang="en-US" smtClean="0"/>
-              <a:t>21-02-05(Fri)</a:t>
+              <a:t>21-02-06(Sat)</a:t>
             </a:fld>
             <a:endParaRPr lang="ko-KR" altLang="en-US"/>
           </a:p>
@@ -10226,7 +10226,7 @@
           <a:p>
             <a:fld id="{2946DBEB-5FFE-47E0-9C69-4E429AFA7594}" type="datetime1">
               <a:rPr lang="ko-KR" altLang="en-US" smtClean="0"/>
-              <a:t>21-02-05(Fri)</a:t>
+              <a:t>21-02-06(Sat)</a:t>
             </a:fld>
             <a:endParaRPr lang="ko-KR" altLang="en-US"/>
           </a:p>
@@ -10473,7 +10473,7 @@
             <a:fld id="{932790BA-7C09-43EA-8E7D-6E5A6153DBF0}" type="datetime1">
               <a:rPr lang="ko-KR" altLang="en-US" smtClean="0"/>
               <a:pPr/>
-              <a:t>21-02-05(Fri)</a:t>
+              <a:t>21-02-06(Sat)</a:t>
             </a:fld>
             <a:endParaRPr lang="ko-KR" altLang="en-US"/>
           </a:p>
@@ -11056,7 +11056,7 @@
                 <a:latin typeface="빙그레 메로나체" panose="020B0503000000000000" pitchFamily="50" charset="-127"/>
                 <a:ea typeface="빙그레 메로나체" panose="020B0503000000000000" pitchFamily="50" charset="-127"/>
               </a:rPr>
-              <a:t>2021 02 05 Qualcomm Institute </a:t>
+              <a:t>2021 02 06 Qualcomm Institute </a:t>
             </a:r>
           </a:p>
         </p:txBody>

--- a/210206_React.pptx
+++ b/210206_React.pptx
@@ -24354,6 +24354,114 @@
       </p:grpSpPr>
       <p:sp>
         <p:nvSpPr>
+          <p:cNvPr id="7" name="사각형: 둥근 모서리 6">
+            <a:extLst>
+              <a:ext uri="{FF2B5EF4-FFF2-40B4-BE49-F238E27FC236}">
+                <a16:creationId xmlns:a16="http://schemas.microsoft.com/office/drawing/2014/main" id="{86891EEC-7DD6-4435-A7E3-395049FA169B}"/>
+              </a:ext>
+            </a:extLst>
+          </p:cNvPr>
+          <p:cNvSpPr/>
+          <p:nvPr/>
+        </p:nvSpPr>
+        <p:spPr>
+          <a:xfrm>
+            <a:off x="4777966" y="1032388"/>
+            <a:ext cx="2636068" cy="879440"/>
+          </a:xfrm>
+          <a:prstGeom prst="roundRect">
+            <a:avLst/>
+          </a:prstGeom>
+          <a:solidFill>
+            <a:srgbClr val="DFE7F5">
+              <a:alpha val="50196"/>
+            </a:srgbClr>
+          </a:solidFill>
+          <a:ln>
+            <a:noFill/>
+          </a:ln>
+        </p:spPr>
+        <p:style>
+          <a:lnRef idx="2">
+            <a:schemeClr val="accent1">
+              <a:shade val="50000"/>
+            </a:schemeClr>
+          </a:lnRef>
+          <a:fillRef idx="1">
+            <a:schemeClr val="accent1"/>
+          </a:fillRef>
+          <a:effectRef idx="0">
+            <a:schemeClr val="accent1"/>
+          </a:effectRef>
+          <a:fontRef idx="minor">
+            <a:schemeClr val="lt1"/>
+          </a:fontRef>
+        </p:style>
+        <p:txBody>
+          <a:bodyPr rtlCol="0" anchor="ctr"/>
+          <a:lstStyle/>
+          <a:p>
+            <a:pPr algn="ctr"/>
+            <a:endParaRPr lang="ko-KR" altLang="en-US"/>
+          </a:p>
+        </p:txBody>
+      </p:sp>
+      <p:sp>
+        <p:nvSpPr>
+          <p:cNvPr id="2" name="사각형: 둥근 모서리 1">
+            <a:extLst>
+              <a:ext uri="{FF2B5EF4-FFF2-40B4-BE49-F238E27FC236}">
+                <a16:creationId xmlns:a16="http://schemas.microsoft.com/office/drawing/2014/main" id="{5BA8CA47-CED0-4595-AA6B-75C675E531E9}"/>
+              </a:ext>
+            </a:extLst>
+          </p:cNvPr>
+          <p:cNvSpPr/>
+          <p:nvPr/>
+        </p:nvSpPr>
+        <p:spPr>
+          <a:xfrm>
+            <a:off x="663681" y="2182764"/>
+            <a:ext cx="11058546" cy="3524865"/>
+          </a:xfrm>
+          <a:prstGeom prst="roundRect">
+            <a:avLst/>
+          </a:prstGeom>
+          <a:solidFill>
+            <a:srgbClr val="DFE7F5">
+              <a:alpha val="50196"/>
+            </a:srgbClr>
+          </a:solidFill>
+          <a:ln>
+            <a:noFill/>
+          </a:ln>
+        </p:spPr>
+        <p:style>
+          <a:lnRef idx="2">
+            <a:schemeClr val="accent1">
+              <a:shade val="50000"/>
+            </a:schemeClr>
+          </a:lnRef>
+          <a:fillRef idx="1">
+            <a:schemeClr val="accent1"/>
+          </a:fillRef>
+          <a:effectRef idx="0">
+            <a:schemeClr val="accent1"/>
+          </a:effectRef>
+          <a:fontRef idx="minor">
+            <a:schemeClr val="lt1"/>
+          </a:fontRef>
+        </p:style>
+        <p:txBody>
+          <a:bodyPr rtlCol="0" anchor="ctr"/>
+          <a:lstStyle/>
+          <a:p>
+            <a:pPr algn="ctr"/>
+            <a:endParaRPr lang="ko-KR" altLang="en-US"/>
+          </a:p>
+        </p:txBody>
+      </p:sp>
+      <p:sp>
+        <p:nvSpPr>
           <p:cNvPr id="9" name="TextBox 8">
             <a:extLst>
               <a:ext uri="{FF2B5EF4-FFF2-40B4-BE49-F238E27FC236}">
@@ -24373,6 +24481,9 @@
             <a:avLst/>
           </a:prstGeom>
           <a:noFill/>
+          <a:ln>
+            <a:noFill/>
+          </a:ln>
         </p:spPr>
         <p:txBody>
           <a:bodyPr wrap="square" rtlCol="0">
